--- a/Graduate_Modeling_SK.pptx
+++ b/Graduate_Modeling_SK.pptx
@@ -5771,7 +5771,7 @@
           <a:bodyPr/>
           <a:lstStyle/>
           <a:p>
-            <a:endParaRPr lang="en-US"/>
+            <a:endParaRPr lang="en-US" dirty="0"/>
           </a:p>
         </p:txBody>
       </p:sp>
@@ -6020,7 +6020,21 @@
           <a:bodyPr/>
           <a:lstStyle/>
           <a:p>
-            <a:endParaRPr lang="en-US"/>
+            <a:pPr marL="0" indent="0" algn="ctr">
+              <a:buNone/>
+            </a:pPr>
+            <a:r>
+              <a:rPr lang="en-US" dirty="0"/>
+              <a:t>https://</a:t>
+            </a:r>
+            <a:r>
+              <a:rPr lang="en-US" dirty="0" err="1"/>
+              <a:t>tinyurl.com</a:t>
+            </a:r>
+            <a:r>
+              <a:rPr lang="en-US" dirty="0"/>
+              <a:t>/msnr672j</a:t>
+            </a:r>
           </a:p>
         </p:txBody>
       </p:sp>
